--- a/KIHBS_Questionnaire_review.pptx
+++ b/KIHBS_Questionnaire_review.pptx
@@ -142,14 +142,6 @@
   <p188:author id="{E482A589-66A3-A7E7-0B8B-8746D4888305}" name="Talip Kilic" initials="TK" userId="S::tkilic@worldbank.org::9c761886-3370-4a99-8cb7-2a57ef52149b" providerId="AD"/>
   <p188:author id="{4036DD8C-9607-1DA5-97D4-4150E69EBA56}" name="Adriana Paolantonio" initials="AP" userId="S::apaolantonio@worldbank.org::6da78d8a-ab97-4371-b00c-03593f03ebd9" providerId="AD"/>
 </p188:authorLst>
-</file>
-
-<file path=ppt/revisionInfo.xml><?xml version="1.0" encoding="utf-8"?>
-<p1510:revInfo xmlns:a="http://schemas.openxmlformats.org/drawingml/2006/main" xmlns:r="http://schemas.openxmlformats.org/officeDocument/2006/relationships" xmlns:p1510="http://schemas.microsoft.com/office/powerpoint/2015/10/main">
-  <p1510:revLst>
-    <p1510:client id="{48F1846D-A569-4CF9-ADB0-3E5743C6CA91}" v="3670" dt="2024-04-11T13:01:26.686"/>
-  </p1510:revLst>
-</p1510:revInfo>
 </file>
 
 <file path=ppt/changesInfos/changesInfo1.xml><?xml version="1.0" encoding="utf-8"?>
@@ -864,6 +856,30 @@
       </pc:sldChg>
     </pc:docChg>
   </pc:docChgLst>
+  <pc:docChgLst>
+    <pc:chgData name="Emanuele Clemente" userId="35bf584b-c1d5-4fa9-b2dc-412ecd7e20bc" providerId="ADAL" clId="{2256278A-5B20-4CEE-8B09-4DD0F20566A1}"/>
+    <pc:docChg chg="custSel modSld">
+      <pc:chgData name="Emanuele Clemente" userId="35bf584b-c1d5-4fa9-b2dc-412ecd7e20bc" providerId="ADAL" clId="{2256278A-5B20-4CEE-8B09-4DD0F20566A1}" dt="2024-10-10T10:20:46.256" v="1" actId="478"/>
+      <pc:docMkLst>
+        <pc:docMk/>
+      </pc:docMkLst>
+      <pc:sldChg chg="addSp delSp mod">
+        <pc:chgData name="Emanuele Clemente" userId="35bf584b-c1d5-4fa9-b2dc-412ecd7e20bc" providerId="ADAL" clId="{2256278A-5B20-4CEE-8B09-4DD0F20566A1}" dt="2024-10-10T10:20:46.256" v="1" actId="478"/>
+        <pc:sldMkLst>
+          <pc:docMk/>
+          <pc:sldMk cId="2712669216" sldId="604"/>
+        </pc:sldMkLst>
+        <pc:graphicFrameChg chg="add del">
+          <ac:chgData name="Emanuele Clemente" userId="35bf584b-c1d5-4fa9-b2dc-412ecd7e20bc" providerId="ADAL" clId="{2256278A-5B20-4CEE-8B09-4DD0F20566A1}" dt="2024-10-10T10:20:46.256" v="1" actId="478"/>
+          <ac:graphicFrameMkLst>
+            <pc:docMk/>
+            <pc:sldMk cId="2712669216" sldId="604"/>
+            <ac:graphicFrameMk id="2" creationId="{8BDBDA49-2B6F-27FB-80C2-62275210A0B5}"/>
+          </ac:graphicFrameMkLst>
+        </pc:graphicFrameChg>
+      </pc:sldChg>
+    </pc:docChg>
+  </pc:docChgLst>
 </pc:chgInfo>
 </file>
 
@@ -949,7 +965,7 @@
           <a:p>
             <a:fld id="{17817599-3915-4BDA-A30C-70E3F4115DB5}" type="datetimeFigureOut">
               <a:rPr lang="en-US" smtClean="0"/>
-              <a:t>4/11/2024</a:t>
+              <a:t>10/10/2024</a:t>
             </a:fld>
             <a:endParaRPr lang="en-US"/>
           </a:p>
